--- a/Playwright.pptx
+++ b/Playwright.pptx
@@ -8,8 +8,15 @@
     <p:sldId id="256" r:id="rId2"/>
     <p:sldId id="258" r:id="rId3"/>
     <p:sldId id="257" r:id="rId4"/>
-    <p:sldId id="259" r:id="rId5"/>
-    <p:sldId id="260" r:id="rId6"/>
+    <p:sldId id="261" r:id="rId5"/>
+    <p:sldId id="263" r:id="rId6"/>
+    <p:sldId id="262" r:id="rId7"/>
+    <p:sldId id="259" r:id="rId8"/>
+    <p:sldId id="260" r:id="rId9"/>
+    <p:sldId id="264" r:id="rId10"/>
+    <p:sldId id="265" r:id="rId11"/>
+    <p:sldId id="266" r:id="rId12"/>
+    <p:sldId id="267" r:id="rId13"/>
   </p:sldIdLst>
   <p:sldSz cx="12192000" cy="6858000"/>
   <p:notesSz cx="6858000" cy="9144000"/>
@@ -228,7 +235,7 @@
           <a:p>
             <a:fld id="{E7736193-EDE3-4BB5-AE5F-E6E5472AB8BE}" type="datetimeFigureOut">
               <a:rPr lang="en-US" smtClean="0"/>
-              <a:t>7/28/2025</a:t>
+              <a:t>7/30/2025</a:t>
             </a:fld>
             <a:endParaRPr lang="en-US"/>
           </a:p>
@@ -476,7 +483,7 @@
           <a:p>
             <a:fld id="{E7736193-EDE3-4BB5-AE5F-E6E5472AB8BE}" type="datetimeFigureOut">
               <a:rPr lang="en-US" smtClean="0"/>
-              <a:t>7/28/2025</a:t>
+              <a:t>7/30/2025</a:t>
             </a:fld>
             <a:endParaRPr lang="en-US"/>
           </a:p>
@@ -684,7 +691,7 @@
           <a:p>
             <a:fld id="{E7736193-EDE3-4BB5-AE5F-E6E5472AB8BE}" type="datetimeFigureOut">
               <a:rPr lang="en-US" smtClean="0"/>
-              <a:t>7/28/2025</a:t>
+              <a:t>7/30/2025</a:t>
             </a:fld>
             <a:endParaRPr lang="en-US"/>
           </a:p>
@@ -882,7 +889,7 @@
           <a:p>
             <a:fld id="{E7736193-EDE3-4BB5-AE5F-E6E5472AB8BE}" type="datetimeFigureOut">
               <a:rPr lang="en-US" smtClean="0"/>
-              <a:t>7/28/2025</a:t>
+              <a:t>7/30/2025</a:t>
             </a:fld>
             <a:endParaRPr lang="en-US"/>
           </a:p>
@@ -1159,7 +1166,7 @@
           <a:p>
             <a:fld id="{E7736193-EDE3-4BB5-AE5F-E6E5472AB8BE}" type="datetimeFigureOut">
               <a:rPr lang="en-US" smtClean="0"/>
-              <a:t>7/28/2025</a:t>
+              <a:t>7/30/2025</a:t>
             </a:fld>
             <a:endParaRPr lang="en-US"/>
           </a:p>
@@ -1429,7 +1436,7 @@
           <a:p>
             <a:fld id="{E7736193-EDE3-4BB5-AE5F-E6E5472AB8BE}" type="datetimeFigureOut">
               <a:rPr lang="en-US" smtClean="0"/>
-              <a:t>7/28/2025</a:t>
+              <a:t>7/30/2025</a:t>
             </a:fld>
             <a:endParaRPr lang="en-US"/>
           </a:p>
@@ -1845,7 +1852,7 @@
           <a:p>
             <a:fld id="{E7736193-EDE3-4BB5-AE5F-E6E5472AB8BE}" type="datetimeFigureOut">
               <a:rPr lang="en-US" smtClean="0"/>
-              <a:t>7/28/2025</a:t>
+              <a:t>7/30/2025</a:t>
             </a:fld>
             <a:endParaRPr lang="en-US"/>
           </a:p>
@@ -2078,7 +2085,7 @@
           <a:p>
             <a:fld id="{E7736193-EDE3-4BB5-AE5F-E6E5472AB8BE}" type="datetimeFigureOut">
               <a:rPr lang="en-US" smtClean="0"/>
-              <a:t>7/28/2025</a:t>
+              <a:t>7/30/2025</a:t>
             </a:fld>
             <a:endParaRPr lang="en-US"/>
           </a:p>
@@ -2191,7 +2198,7 @@
           <a:p>
             <a:fld id="{E7736193-EDE3-4BB5-AE5F-E6E5472AB8BE}" type="datetimeFigureOut">
               <a:rPr lang="en-US" smtClean="0"/>
-              <a:t>7/28/2025</a:t>
+              <a:t>7/30/2025</a:t>
             </a:fld>
             <a:endParaRPr lang="en-US"/>
           </a:p>
@@ -2508,7 +2515,7 @@
           <a:p>
             <a:fld id="{E7736193-EDE3-4BB5-AE5F-E6E5472AB8BE}" type="datetimeFigureOut">
               <a:rPr lang="en-US" smtClean="0"/>
-              <a:t>7/28/2025</a:t>
+              <a:t>7/30/2025</a:t>
             </a:fld>
             <a:endParaRPr lang="en-US"/>
           </a:p>
@@ -2861,7 +2868,7 @@
           <a:p>
             <a:fld id="{E7736193-EDE3-4BB5-AE5F-E6E5472AB8BE}" type="datetimeFigureOut">
               <a:rPr lang="en-US" smtClean="0"/>
-              <a:t>7/28/2025</a:t>
+              <a:t>7/30/2025</a:t>
             </a:fld>
             <a:endParaRPr lang="en-US"/>
           </a:p>
@@ -3159,7 +3166,7 @@
           <a:p>
             <a:fld id="{E7736193-EDE3-4BB5-AE5F-E6E5472AB8BE}" type="datetimeFigureOut">
               <a:rPr lang="en-US" smtClean="0"/>
-              <a:t>7/28/2025</a:t>
+              <a:t>7/30/2025</a:t>
             </a:fld>
             <a:endParaRPr lang="en-US"/>
           </a:p>
@@ -4214,6 +4221,444 @@
 </p:sld>
 </file>
 
+<file path=ppt/slides/slide10.xml><?xml version="1.0" encoding="utf-8"?>
+<p:sld xmlns:a="http://schemas.openxmlformats.org/drawingml/2006/main" xmlns:r="http://schemas.openxmlformats.org/officeDocument/2006/relationships" xmlns:p="http://schemas.openxmlformats.org/presentationml/2006/main">
+  <p:cSld>
+    <p:spTree>
+      <p:nvGrpSpPr>
+        <p:cNvPr id="1" name=""/>
+        <p:cNvGrpSpPr/>
+        <p:nvPr/>
+      </p:nvGrpSpPr>
+      <p:grpSpPr>
+        <a:xfrm>
+          <a:off x="0" y="0"/>
+          <a:ext cx="0" cy="0"/>
+          <a:chOff x="0" y="0"/>
+          <a:chExt cx="0" cy="0"/>
+        </a:xfrm>
+      </p:grpSpPr>
+      <p:sp>
+        <p:nvSpPr>
+          <p:cNvPr id="3" name="Sisällön paikkamerkki 2">
+            <a:extLst>
+              <a:ext uri="{FF2B5EF4-FFF2-40B4-BE49-F238E27FC236}">
+                <a16:creationId xmlns:a16="http://schemas.microsoft.com/office/drawing/2014/main" id="{E15662F2-ECAF-D557-41BA-A82946AACFDC}"/>
+              </a:ext>
+            </a:extLst>
+          </p:cNvPr>
+          <p:cNvSpPr>
+            <a:spLocks noGrp="1"/>
+          </p:cNvSpPr>
+          <p:nvPr>
+            <p:ph sz="half" idx="1"/>
+          </p:nvPr>
+        </p:nvSpPr>
+        <p:spPr>
+          <a:xfrm>
+            <a:off x="1615817" y="1166497"/>
+            <a:ext cx="4188635" cy="4525005"/>
+          </a:xfrm>
+        </p:spPr>
+        <p:txBody>
+          <a:bodyPr/>
+          <a:lstStyle/>
+          <a:p>
+            <a:r>
+              <a:rPr lang="fi-FI" dirty="0"/>
+              <a:t>Sama testi useilla eri lukujen a ja b arvoilla voisi näyttää tältä</a:t>
+            </a:r>
+          </a:p>
+          <a:p>
+            <a:r>
+              <a:rPr lang="fi-FI" dirty="0"/>
+              <a:t>Testien nimien täytyy olla erilaiset, siksi luvut myös testin nimessä</a:t>
+            </a:r>
+          </a:p>
+        </p:txBody>
+      </p:sp>
+      <p:pic>
+        <p:nvPicPr>
+          <p:cNvPr id="6" name="Kuva 5">
+            <a:extLst>
+              <a:ext uri="{FF2B5EF4-FFF2-40B4-BE49-F238E27FC236}">
+                <a16:creationId xmlns:a16="http://schemas.microsoft.com/office/drawing/2014/main" id="{183C6D6C-6213-5C41-5462-E53EEDC60BD0}"/>
+              </a:ext>
+            </a:extLst>
+          </p:cNvPr>
+          <p:cNvPicPr>
+            <a:picLocks noChangeAspect="1"/>
+          </p:cNvPicPr>
+          <p:nvPr/>
+        </p:nvPicPr>
+        <p:blipFill>
+          <a:blip r:embed="rId2"/>
+          <a:stretch>
+            <a:fillRect/>
+          </a:stretch>
+        </p:blipFill>
+        <p:spPr>
+          <a:xfrm>
+            <a:off x="6336848" y="1166497"/>
+            <a:ext cx="4772691" cy="4525006"/>
+          </a:xfrm>
+          <a:prstGeom prst="rect">
+            <a:avLst/>
+          </a:prstGeom>
+        </p:spPr>
+      </p:pic>
+    </p:spTree>
+    <p:extLst>
+      <p:ext uri="{BB962C8B-B14F-4D97-AF65-F5344CB8AC3E}">
+        <p14:creationId xmlns:p14="http://schemas.microsoft.com/office/powerpoint/2010/main" val="2585149259"/>
+      </p:ext>
+    </p:extLst>
+  </p:cSld>
+  <p:clrMapOvr>
+    <a:masterClrMapping/>
+  </p:clrMapOvr>
+</p:sld>
+</file>
+
+<file path=ppt/slides/slide11.xml><?xml version="1.0" encoding="utf-8"?>
+<p:sld xmlns:a="http://schemas.openxmlformats.org/drawingml/2006/main" xmlns:r="http://schemas.openxmlformats.org/officeDocument/2006/relationships" xmlns:p="http://schemas.openxmlformats.org/presentationml/2006/main">
+  <p:cSld>
+    <p:spTree>
+      <p:nvGrpSpPr>
+        <p:cNvPr id="1" name=""/>
+        <p:cNvGrpSpPr/>
+        <p:nvPr/>
+      </p:nvGrpSpPr>
+      <p:grpSpPr>
+        <a:xfrm>
+          <a:off x="0" y="0"/>
+          <a:ext cx="0" cy="0"/>
+          <a:chOff x="0" y="0"/>
+          <a:chExt cx="0" cy="0"/>
+        </a:xfrm>
+      </p:grpSpPr>
+      <p:sp>
+        <p:nvSpPr>
+          <p:cNvPr id="2" name="Otsikko 1">
+            <a:extLst>
+              <a:ext uri="{FF2B5EF4-FFF2-40B4-BE49-F238E27FC236}">
+                <a16:creationId xmlns:a16="http://schemas.microsoft.com/office/drawing/2014/main" id="{B973DD33-13A0-AC87-C15F-4493B9A33909}"/>
+              </a:ext>
+            </a:extLst>
+          </p:cNvPr>
+          <p:cNvSpPr>
+            <a:spLocks noGrp="1"/>
+          </p:cNvSpPr>
+          <p:nvPr>
+            <p:ph type="title"/>
+          </p:nvPr>
+        </p:nvSpPr>
+        <p:spPr>
+          <a:xfrm>
+            <a:off x="1688793" y="446520"/>
+            <a:ext cx="9164725" cy="1033670"/>
+          </a:xfrm>
+        </p:spPr>
+        <p:txBody>
+          <a:bodyPr/>
+          <a:lstStyle/>
+          <a:p>
+            <a:r>
+              <a:rPr lang="fi-FI" dirty="0" err="1"/>
+              <a:t>Codegen</a:t>
+            </a:r>
+            <a:r>
+              <a:rPr lang="fi-FI" dirty="0"/>
+              <a:t> – testien nauhoittaminen</a:t>
+            </a:r>
+          </a:p>
+        </p:txBody>
+      </p:sp>
+      <p:sp>
+        <p:nvSpPr>
+          <p:cNvPr id="4" name="Sisällön paikkamerkki 3">
+            <a:extLst>
+              <a:ext uri="{FF2B5EF4-FFF2-40B4-BE49-F238E27FC236}">
+                <a16:creationId xmlns:a16="http://schemas.microsoft.com/office/drawing/2014/main" id="{D6016F35-4192-2D98-E10D-9AFF04E7123D}"/>
+              </a:ext>
+            </a:extLst>
+          </p:cNvPr>
+          <p:cNvSpPr>
+            <a:spLocks noGrp="1"/>
+          </p:cNvSpPr>
+          <p:nvPr>
+            <p:ph sz="half" idx="2"/>
+          </p:nvPr>
+        </p:nvSpPr>
+        <p:spPr>
+          <a:xfrm>
+            <a:off x="5773003" y="2340591"/>
+            <a:ext cx="5261212" cy="3245201"/>
+          </a:xfrm>
+        </p:spPr>
+        <p:txBody>
+          <a:bodyPr>
+            <a:normAutofit/>
+          </a:bodyPr>
+          <a:lstStyle/>
+          <a:p>
+            <a:r>
+              <a:rPr lang="fi-FI" dirty="0"/>
+              <a:t>VS </a:t>
+            </a:r>
+            <a:r>
+              <a:rPr lang="fi-FI" dirty="0" err="1"/>
+              <a:t>Coden</a:t>
+            </a:r>
+            <a:r>
+              <a:rPr lang="fi-FI" dirty="0"/>
+              <a:t> </a:t>
+            </a:r>
+            <a:r>
+              <a:rPr lang="fi-FI" dirty="0" err="1"/>
+              <a:t>Playwright</a:t>
+            </a:r>
+            <a:r>
+              <a:rPr lang="fi-FI" dirty="0"/>
+              <a:t>-laajennuksella testien generoiminen on helppoa</a:t>
+            </a:r>
+          </a:p>
+          <a:p>
+            <a:r>
+              <a:rPr lang="fi-FI" dirty="0" err="1"/>
+              <a:t>Record</a:t>
+            </a:r>
+            <a:r>
+              <a:rPr lang="fi-FI" dirty="0"/>
+              <a:t> </a:t>
+            </a:r>
+            <a:r>
+              <a:rPr lang="fi-FI" dirty="0" err="1"/>
+              <a:t>new</a:t>
+            </a:r>
+            <a:r>
+              <a:rPr lang="fi-FI" dirty="0"/>
+              <a:t> avaa uuden selainikkunan, jossa voi suorittaa haluamansa toiminnot</a:t>
+            </a:r>
+          </a:p>
+          <a:p>
+            <a:r>
+              <a:rPr lang="fi-FI" dirty="0"/>
+              <a:t>On myös mahdollisuudet valita testattavat asiat, kuten tekstisisällöt tai arvot</a:t>
+            </a:r>
+          </a:p>
+        </p:txBody>
+      </p:sp>
+      <p:pic>
+        <p:nvPicPr>
+          <p:cNvPr id="6" name="Kuva 5">
+            <a:extLst>
+              <a:ext uri="{FF2B5EF4-FFF2-40B4-BE49-F238E27FC236}">
+                <a16:creationId xmlns:a16="http://schemas.microsoft.com/office/drawing/2014/main" id="{9A06DD5D-BEB1-CA4D-B602-085A53E54F1C}"/>
+              </a:ext>
+            </a:extLst>
+          </p:cNvPr>
+          <p:cNvPicPr>
+            <a:picLocks noChangeAspect="1"/>
+          </p:cNvPicPr>
+          <p:nvPr/>
+        </p:nvPicPr>
+        <p:blipFill>
+          <a:blip r:embed="rId2"/>
+          <a:stretch>
+            <a:fillRect/>
+          </a:stretch>
+        </p:blipFill>
+        <p:spPr>
+          <a:xfrm>
+            <a:off x="1688793" y="2340591"/>
+            <a:ext cx="2378240" cy="2486342"/>
+          </a:xfrm>
+          <a:prstGeom prst="rect">
+            <a:avLst/>
+          </a:prstGeom>
+        </p:spPr>
+      </p:pic>
+    </p:spTree>
+    <p:extLst>
+      <p:ext uri="{BB962C8B-B14F-4D97-AF65-F5344CB8AC3E}">
+        <p14:creationId xmlns:p14="http://schemas.microsoft.com/office/powerpoint/2010/main" val="3711816522"/>
+      </p:ext>
+    </p:extLst>
+  </p:cSld>
+  <p:clrMapOvr>
+    <a:masterClrMapping/>
+  </p:clrMapOvr>
+</p:sld>
+</file>
+
+<file path=ppt/slides/slide12.xml><?xml version="1.0" encoding="utf-8"?>
+<p:sld xmlns:a="http://schemas.openxmlformats.org/drawingml/2006/main" xmlns:r="http://schemas.openxmlformats.org/officeDocument/2006/relationships" xmlns:p="http://schemas.openxmlformats.org/presentationml/2006/main">
+  <p:cSld>
+    <p:spTree>
+      <p:nvGrpSpPr>
+        <p:cNvPr id="1" name=""/>
+        <p:cNvGrpSpPr/>
+        <p:nvPr/>
+      </p:nvGrpSpPr>
+      <p:grpSpPr>
+        <a:xfrm>
+          <a:off x="0" y="0"/>
+          <a:ext cx="0" cy="0"/>
+          <a:chOff x="0" y="0"/>
+          <a:chExt cx="0" cy="0"/>
+        </a:xfrm>
+      </p:grpSpPr>
+      <p:sp>
+        <p:nvSpPr>
+          <p:cNvPr id="3" name="Sisällön paikkamerkki 2">
+            <a:extLst>
+              <a:ext uri="{FF2B5EF4-FFF2-40B4-BE49-F238E27FC236}">
+                <a16:creationId xmlns:a16="http://schemas.microsoft.com/office/drawing/2014/main" id="{70A81AA1-E2FA-6C78-FF19-91D0AA15C82D}"/>
+              </a:ext>
+            </a:extLst>
+          </p:cNvPr>
+          <p:cNvSpPr>
+            <a:spLocks noGrp="1"/>
+          </p:cNvSpPr>
+          <p:nvPr>
+            <p:ph sz="half" idx="1"/>
+          </p:nvPr>
+        </p:nvSpPr>
+        <p:spPr>
+          <a:xfrm>
+            <a:off x="1615817" y="1241946"/>
+            <a:ext cx="4188635" cy="4343845"/>
+          </a:xfrm>
+        </p:spPr>
+        <p:txBody>
+          <a:bodyPr/>
+          <a:lstStyle/>
+          <a:p>
+            <a:r>
+              <a:rPr lang="fi-FI" dirty="0"/>
+              <a:t>Kuvassa </a:t>
+            </a:r>
+            <a:r>
+              <a:rPr lang="fi-FI" dirty="0" err="1"/>
+              <a:t>Playwrightin</a:t>
+            </a:r>
+            <a:r>
+              <a:rPr lang="fi-FI" dirty="0"/>
+              <a:t> luomaa koodia seuraaville toiminnoille:</a:t>
+            </a:r>
+          </a:p>
+          <a:p>
+            <a:pPr lvl="1"/>
+            <a:r>
+              <a:rPr lang="fi-FI" dirty="0"/>
+              <a:t>Mene sivulle</a:t>
+            </a:r>
+          </a:p>
+          <a:p>
+            <a:pPr lvl="1"/>
+            <a:r>
+              <a:rPr lang="fi-FI" dirty="0"/>
+              <a:t>Valitse luvun a syöttökenttä</a:t>
+            </a:r>
+          </a:p>
+          <a:p>
+            <a:pPr lvl="1"/>
+            <a:r>
+              <a:rPr lang="fi-FI" dirty="0"/>
+              <a:t>Syötä luku 1</a:t>
+            </a:r>
+          </a:p>
+          <a:p>
+            <a:pPr lvl="1"/>
+            <a:r>
+              <a:rPr lang="fi-FI" dirty="0"/>
+              <a:t>Valitse luvun b syöttökenttä</a:t>
+            </a:r>
+          </a:p>
+          <a:p>
+            <a:r>
+              <a:rPr lang="fi-FI" dirty="0"/>
+              <a:t>Valkopohjaiselta työkalupalkilta voi mm. keskeyttää nauhoituksen, tai valita tehtävän testin (</a:t>
+            </a:r>
+            <a:r>
+              <a:rPr lang="fi-FI" dirty="0" err="1"/>
+              <a:t>assert</a:t>
+            </a:r>
+            <a:r>
+              <a:rPr lang="fi-FI" dirty="0"/>
+              <a:t> </a:t>
+            </a:r>
+            <a:r>
+              <a:rPr lang="fi-FI" dirty="0" err="1"/>
+              <a:t>text</a:t>
+            </a:r>
+            <a:r>
+              <a:rPr lang="fi-FI" dirty="0"/>
+              <a:t>, </a:t>
+            </a:r>
+            <a:r>
+              <a:rPr lang="fi-FI" dirty="0" err="1"/>
+              <a:t>assert</a:t>
+            </a:r>
+            <a:r>
+              <a:rPr lang="fi-FI" dirty="0"/>
+              <a:t> </a:t>
+            </a:r>
+            <a:r>
+              <a:rPr lang="fi-FI" dirty="0" err="1"/>
+              <a:t>value</a:t>
+            </a:r>
+            <a:r>
+              <a:rPr lang="fi-FI" dirty="0"/>
+              <a:t>…)</a:t>
+            </a:r>
+          </a:p>
+        </p:txBody>
+      </p:sp>
+      <p:pic>
+        <p:nvPicPr>
+          <p:cNvPr id="6" name="Kuva 5">
+            <a:extLst>
+              <a:ext uri="{FF2B5EF4-FFF2-40B4-BE49-F238E27FC236}">
+                <a16:creationId xmlns:a16="http://schemas.microsoft.com/office/drawing/2014/main" id="{A8AC259B-E843-36C0-EEE1-3FDEB2F362A2}"/>
+              </a:ext>
+            </a:extLst>
+          </p:cNvPr>
+          <p:cNvPicPr>
+            <a:picLocks noChangeAspect="1"/>
+          </p:cNvPicPr>
+          <p:nvPr/>
+        </p:nvPicPr>
+        <p:blipFill>
+          <a:blip r:embed="rId2"/>
+          <a:stretch>
+            <a:fillRect/>
+          </a:stretch>
+        </p:blipFill>
+        <p:spPr>
+          <a:xfrm>
+            <a:off x="6727765" y="1016929"/>
+            <a:ext cx="4333745" cy="4824142"/>
+          </a:xfrm>
+          <a:prstGeom prst="rect">
+            <a:avLst/>
+          </a:prstGeom>
+        </p:spPr>
+      </p:pic>
+    </p:spTree>
+    <p:extLst>
+      <p:ext uri="{BB962C8B-B14F-4D97-AF65-F5344CB8AC3E}">
+        <p14:creationId xmlns:p14="http://schemas.microsoft.com/office/powerpoint/2010/main" val="2777097655"/>
+      </p:ext>
+    </p:extLst>
+  </p:cSld>
+  <p:clrMapOvr>
+    <a:masterClrMapping/>
+  </p:clrMapOvr>
+</p:sld>
+</file>
+
 <file path=ppt/slides/slide2.xml><?xml version="1.0" encoding="utf-8"?>
 <p:sld xmlns:a="http://schemas.openxmlformats.org/drawingml/2006/main" xmlns:r="http://schemas.openxmlformats.org/officeDocument/2006/relationships" xmlns:p="http://schemas.openxmlformats.org/presentationml/2006/main">
   <p:cSld>
@@ -4520,7 +4965,7 @@
           <p:cNvPr id="2" name="Otsikko 1">
             <a:extLst>
               <a:ext uri="{FF2B5EF4-FFF2-40B4-BE49-F238E27FC236}">
-                <a16:creationId xmlns:a16="http://schemas.microsoft.com/office/drawing/2014/main" id="{13D4C42F-0AFB-6C78-21E3-D51C3DAB3660}"/>
+                <a16:creationId xmlns:a16="http://schemas.microsoft.com/office/drawing/2014/main" id="{5D0488B1-76AF-34A8-5AC1-AAB4EF795263}"/>
               </a:ext>
             </a:extLst>
           </p:cNvPr>
@@ -4533,8 +4978,8 @@
         </p:nvSpPr>
         <p:spPr>
           <a:xfrm>
-            <a:off x="1380120" y="1391478"/>
-            <a:ext cx="3322510" cy="1027872"/>
+            <a:off x="1620445" y="414334"/>
+            <a:ext cx="8977511" cy="1073825"/>
           </a:xfrm>
         </p:spPr>
         <p:txBody>
@@ -4543,74 +4988,116 @@
           <a:p>
             <a:r>
               <a:rPr lang="fi-FI" dirty="0"/>
-              <a:t>Testattava sovellus</a:t>
-            </a:r>
-          </a:p>
-        </p:txBody>
-      </p:sp>
-      <p:sp>
-        <p:nvSpPr>
-          <p:cNvPr id="4" name="Tekstin paikkamerkki 3">
-            <a:extLst>
-              <a:ext uri="{FF2B5EF4-FFF2-40B4-BE49-F238E27FC236}">
-                <a16:creationId xmlns:a16="http://schemas.microsoft.com/office/drawing/2014/main" id="{0ED59268-1B6B-53D9-090F-C9CC317CE6EF}"/>
-              </a:ext>
-            </a:extLst>
-          </p:cNvPr>
-          <p:cNvSpPr>
-            <a:spLocks noGrp="1"/>
-          </p:cNvSpPr>
-          <p:nvPr>
-            <p:ph type="body" sz="half" idx="2"/>
-          </p:nvPr>
-        </p:nvSpPr>
-        <p:spPr>
-          <a:xfrm>
-            <a:off x="1380120" y="2419350"/>
-            <a:ext cx="3322510" cy="2913703"/>
+              <a:t>Asennus</a:t>
+            </a:r>
+          </a:p>
+        </p:txBody>
+      </p:sp>
+      <p:sp>
+        <p:nvSpPr>
+          <p:cNvPr id="3" name="Sisällön paikkamerkki 2">
+            <a:extLst>
+              <a:ext uri="{FF2B5EF4-FFF2-40B4-BE49-F238E27FC236}">
+                <a16:creationId xmlns:a16="http://schemas.microsoft.com/office/drawing/2014/main" id="{8D208F89-B75F-035D-CE59-F534630D2782}"/>
+              </a:ext>
+            </a:extLst>
+          </p:cNvPr>
+          <p:cNvSpPr>
+            <a:spLocks noGrp="1"/>
+          </p:cNvSpPr>
+          <p:nvPr>
+            <p:ph idx="1"/>
+          </p:nvPr>
+        </p:nvSpPr>
+        <p:spPr>
+          <a:xfrm>
+            <a:off x="1620444" y="1566654"/>
+            <a:ext cx="9345531" cy="3141785"/>
           </a:xfrm>
         </p:spPr>
         <p:txBody>
           <a:bodyPr/>
           <a:lstStyle/>
           <a:p>
-            <a:pPr marL="285750" indent="-285750">
-              <a:buFontTx/>
-              <a:buChar char="-"/>
-            </a:pPr>
-            <a:r>
-              <a:rPr lang="fi-FI" dirty="0"/>
-              <a:t>Tein itse yksinkertaisen laskurin</a:t>
-            </a:r>
-          </a:p>
-          <a:p>
-            <a:pPr marL="285750" indent="-285750">
-              <a:buFontTx/>
-              <a:buChar char="-"/>
-            </a:pPr>
-            <a:r>
-              <a:rPr lang="fi-FI" dirty="0"/>
-              <a:t>HTML, JavaScript &amp; CSS</a:t>
-            </a:r>
-          </a:p>
-          <a:p>
-            <a:pPr marL="285750" indent="-285750">
-              <a:buFontTx/>
-              <a:buChar char="-"/>
-            </a:pPr>
-            <a:r>
-              <a:rPr lang="fi-FI" dirty="0"/>
-              <a:t>Käyttäjä antaa syötteet ja valitsee haluamansa laskutoimituksen</a:t>
+            <a:r>
+              <a:rPr lang="fi-FI" dirty="0" err="1"/>
+              <a:t>Playwrightille</a:t>
+            </a:r>
+            <a:r>
+              <a:rPr lang="fi-FI" dirty="0"/>
+              <a:t> on tarjolla </a:t>
+            </a:r>
+            <a:r>
+              <a:rPr lang="fi-FI" dirty="0" err="1"/>
+              <a:t>npm</a:t>
+            </a:r>
+            <a:r>
+              <a:rPr lang="fi-FI" dirty="0"/>
+              <a:t>, </a:t>
+            </a:r>
+            <a:r>
+              <a:rPr lang="fi-FI" dirty="0" err="1"/>
+              <a:t>yarn</a:t>
+            </a:r>
+            <a:r>
+              <a:rPr lang="fi-FI" dirty="0"/>
+              <a:t> ja </a:t>
+            </a:r>
+            <a:r>
+              <a:rPr lang="fi-FI" dirty="0" err="1"/>
+              <a:t>pnpm</a:t>
+            </a:r>
+            <a:r>
+              <a:rPr lang="fi-FI" dirty="0"/>
+              <a:t> asennuspaketit</a:t>
+            </a:r>
+          </a:p>
+          <a:p>
+            <a:pPr lvl="1"/>
+            <a:r>
+              <a:rPr lang="fi-FI" dirty="0" err="1"/>
+              <a:t>npm</a:t>
+            </a:r>
+            <a:r>
+              <a:rPr lang="fi-FI" dirty="0"/>
+              <a:t> </a:t>
+            </a:r>
+            <a:r>
+              <a:rPr lang="fi-FI" dirty="0" err="1"/>
+              <a:t>init</a:t>
+            </a:r>
+            <a:r>
+              <a:rPr lang="fi-FI" dirty="0"/>
+              <a:t> </a:t>
+            </a:r>
+            <a:r>
+              <a:rPr lang="fi-FI" dirty="0" err="1"/>
+              <a:t>playwright@latest</a:t>
+            </a:r>
+            <a:endParaRPr lang="fi-FI" dirty="0"/>
+          </a:p>
+          <a:p>
+            <a:r>
+              <a:rPr lang="fi-FI" dirty="0"/>
+              <a:t>Tarjolla myös VS </a:t>
+            </a:r>
+            <a:r>
+              <a:rPr lang="fi-FI" dirty="0" err="1"/>
+              <a:t>Code</a:t>
+            </a:r>
+            <a:r>
+              <a:rPr lang="fi-FI" dirty="0"/>
+              <a:t> -laajennus</a:t>
             </a:r>
           </a:p>
         </p:txBody>
       </p:sp>
       <p:pic>
         <p:nvPicPr>
-          <p:cNvPr id="6" name="Kuva 5">
-            <a:extLst>
-              <a:ext uri="{FF2B5EF4-FFF2-40B4-BE49-F238E27FC236}">
-                <a16:creationId xmlns:a16="http://schemas.microsoft.com/office/drawing/2014/main" id="{D01AFC6C-D676-4261-62A9-1525C077F814}"/>
+          <p:cNvPr id="5" name="Kuva 4">
+            <a:extLst>
+              <a:ext uri="{FF2B5EF4-FFF2-40B4-BE49-F238E27FC236}">
+                <a16:creationId xmlns:a16="http://schemas.microsoft.com/office/drawing/2014/main" id="{3925A79A-2A07-0382-924C-F3BF974B3B88}"/>
               </a:ext>
             </a:extLst>
           </p:cNvPr>
@@ -4627,53 +5114,18 @@
         </p:blipFill>
         <p:spPr>
           <a:xfrm>
-            <a:off x="5916662" y="1409131"/>
-            <a:ext cx="5988667" cy="4039737"/>
+            <a:off x="1476445" y="2814851"/>
+            <a:ext cx="9239110" cy="2964789"/>
           </a:xfrm>
           <a:prstGeom prst="rect">
             <a:avLst/>
           </a:prstGeom>
         </p:spPr>
       </p:pic>
-      <p:sp>
-        <p:nvSpPr>
-          <p:cNvPr id="7" name="Tekstiruutu 6">
-            <a:extLst>
-              <a:ext uri="{FF2B5EF4-FFF2-40B4-BE49-F238E27FC236}">
-                <a16:creationId xmlns:a16="http://schemas.microsoft.com/office/drawing/2014/main" id="{0D453F8A-F05C-5AF3-6CAF-FE2E3B050B12}"/>
-              </a:ext>
-            </a:extLst>
-          </p:cNvPr>
-          <p:cNvSpPr txBox="1"/>
-          <p:nvPr/>
-        </p:nvSpPr>
-        <p:spPr>
-          <a:xfrm>
-            <a:off x="6096000" y="5677469"/>
-            <a:ext cx="4112525" cy="369332"/>
-          </a:xfrm>
-          <a:prstGeom prst="rect">
-            <a:avLst/>
-          </a:prstGeom>
-          <a:noFill/>
-        </p:spPr>
-        <p:txBody>
-          <a:bodyPr wrap="square" rtlCol="0">
-            <a:spAutoFit/>
-          </a:bodyPr>
-          <a:lstStyle/>
-          <a:p>
-            <a:r>
-              <a:rPr lang="fi-FI" dirty="0"/>
-              <a:t>Kuva sovelluksesta; 1 + 1 = 2</a:t>
-            </a:r>
-          </a:p>
-        </p:txBody>
-      </p:sp>
     </p:spTree>
     <p:extLst>
       <p:ext uri="{BB962C8B-B14F-4D97-AF65-F5344CB8AC3E}">
-        <p14:creationId xmlns:p14="http://schemas.microsoft.com/office/powerpoint/2010/main" val="2811930216"/>
+        <p14:creationId xmlns:p14="http://schemas.microsoft.com/office/powerpoint/2010/main" val="1691726007"/>
       </p:ext>
     </p:extLst>
   </p:cSld>
@@ -4702,87 +5154,90 @@
       </p:grpSpPr>
       <p:sp>
         <p:nvSpPr>
-          <p:cNvPr id="4" name="Tekstin paikkamerkki 3">
-            <a:extLst>
-              <a:ext uri="{FF2B5EF4-FFF2-40B4-BE49-F238E27FC236}">
-                <a16:creationId xmlns:a16="http://schemas.microsoft.com/office/drawing/2014/main" id="{30584BB0-C37C-B7C2-F30E-200A195AF32C}"/>
-              </a:ext>
-            </a:extLst>
-          </p:cNvPr>
-          <p:cNvSpPr>
-            <a:spLocks noGrp="1"/>
-          </p:cNvSpPr>
-          <p:nvPr>
-            <p:ph type="body" sz="half" idx="2"/>
-          </p:nvPr>
-        </p:nvSpPr>
-        <p:spPr>
-          <a:xfrm>
-            <a:off x="1346000" y="1279371"/>
-            <a:ext cx="3322510" cy="4247972"/>
-          </a:xfrm>
-        </p:spPr>
-        <p:txBody>
-          <a:bodyPr>
-            <a:normAutofit/>
-          </a:bodyPr>
-          <a:lstStyle/>
-          <a:p>
-            <a:pPr marL="285750" indent="-285750">
-              <a:buFontTx/>
-              <a:buChar char="-"/>
-            </a:pPr>
-            <a:r>
-              <a:rPr lang="fi-FI" dirty="0"/>
-              <a:t>Koodissa on huomioitu virheelliset syötteet, kuten kirjaimet tai erikoismerkit</a:t>
-            </a:r>
-          </a:p>
-          <a:p>
-            <a:pPr marL="285750" indent="-285750">
-              <a:buFontTx/>
-              <a:buChar char="-"/>
-            </a:pPr>
-            <a:r>
-              <a:rPr lang="fi-FI" dirty="0"/>
-              <a:t>Tällöin tulos on ”Virhe!”</a:t>
-            </a:r>
-          </a:p>
-          <a:p>
-            <a:pPr marL="285750" indent="-285750">
-              <a:buFontTx/>
-              <a:buChar char="-"/>
-            </a:pPr>
-            <a:r>
-              <a:rPr lang="fi-FI" dirty="0"/>
-              <a:t>Nollalla jakamista ei kuitenkaan ole huomioitu:</a:t>
-            </a:r>
-          </a:p>
-          <a:p>
-            <a:pPr marL="742950" lvl="1" indent="-285750">
-              <a:buFontTx/>
-              <a:buChar char="-"/>
-            </a:pPr>
-            <a:r>
-              <a:rPr lang="fi-FI" dirty="0"/>
-              <a:t>JavaScript jostain syystä antaa tällöin automaattisesti tulokseksi ”(±) </a:t>
-            </a:r>
+          <p:cNvPr id="2" name="Otsikko 1">
+            <a:extLst>
+              <a:ext uri="{FF2B5EF4-FFF2-40B4-BE49-F238E27FC236}">
+                <a16:creationId xmlns:a16="http://schemas.microsoft.com/office/drawing/2014/main" id="{223838EF-F96F-78F2-5718-224BC9F53B6E}"/>
+              </a:ext>
+            </a:extLst>
+          </p:cNvPr>
+          <p:cNvSpPr>
+            <a:spLocks noGrp="1"/>
+          </p:cNvSpPr>
+          <p:nvPr>
+            <p:ph type="title"/>
+          </p:nvPr>
+        </p:nvSpPr>
+        <p:spPr>
+          <a:xfrm>
+            <a:off x="1513637" y="466991"/>
+            <a:ext cx="9164725" cy="1033670"/>
+          </a:xfrm>
+        </p:spPr>
+        <p:txBody>
+          <a:bodyPr/>
+          <a:lstStyle/>
+          <a:p>
             <a:r>
               <a:rPr lang="fi-FI" dirty="0" err="1"/>
-              <a:t>Infinity</a:t>
-            </a:r>
-            <a:r>
-              <a:rPr lang="fi-FI" dirty="0"/>
-              <a:t>”, joka näin matemaatikkona vaivaa kyllä…</a:t>
-            </a:r>
-          </a:p>
-          <a:p>
-            <a:pPr marL="742950" lvl="1" indent="-285750">
-              <a:buFontTx/>
-              <a:buChar char="-"/>
-            </a:pPr>
-            <a:r>
-              <a:rPr lang="fi-FI" dirty="0"/>
-              <a:t>Testin odottama tulos: ”Virhe!”</a:t>
+              <a:t>Webserver</a:t>
+            </a:r>
+            <a:r>
+              <a:rPr lang="fi-FI" dirty="0"/>
+              <a:t> - </a:t>
+            </a:r>
+            <a:r>
+              <a:rPr lang="fi-FI" dirty="0" err="1"/>
+              <a:t>localhost</a:t>
+            </a:r>
+            <a:endParaRPr lang="fi-FI" dirty="0"/>
+          </a:p>
+        </p:txBody>
+      </p:sp>
+      <p:sp>
+        <p:nvSpPr>
+          <p:cNvPr id="4" name="Sisällön paikkamerkki 3">
+            <a:extLst>
+              <a:ext uri="{FF2B5EF4-FFF2-40B4-BE49-F238E27FC236}">
+                <a16:creationId xmlns:a16="http://schemas.microsoft.com/office/drawing/2014/main" id="{7BB980F2-4662-F97A-1536-6F28839F4050}"/>
+              </a:ext>
+            </a:extLst>
+          </p:cNvPr>
+          <p:cNvSpPr>
+            <a:spLocks noGrp="1"/>
+          </p:cNvSpPr>
+          <p:nvPr>
+            <p:ph sz="half" idx="2"/>
+          </p:nvPr>
+        </p:nvSpPr>
+        <p:spPr/>
+        <p:txBody>
+          <a:bodyPr/>
+          <a:lstStyle/>
+          <a:p>
+            <a:r>
+              <a:rPr lang="fi-FI" dirty="0"/>
+              <a:t>Jotta paikallista työnalla olevaa websovellusta voidaan testata, täytyy konfiguroida paikallinen </a:t>
+            </a:r>
+            <a:r>
+              <a:rPr lang="fi-FI" dirty="0" err="1"/>
+              <a:t>Node</a:t>
+            </a:r>
+            <a:r>
+              <a:rPr lang="fi-FI" dirty="0"/>
+              <a:t>-palvelin</a:t>
+            </a:r>
+          </a:p>
+          <a:p>
+            <a:r>
+              <a:rPr lang="fi-FI" dirty="0"/>
+              <a:t>Tämä pätkä onkin valmiiksi kommentoituna .config.js –tiedostossa</a:t>
+            </a:r>
+          </a:p>
+          <a:p>
+            <a:r>
+              <a:rPr lang="fi-FI" dirty="0"/>
+              <a:t>Myös muutama muu muutos täytyi tehdä</a:t>
             </a:r>
           </a:p>
         </p:txBody>
@@ -4792,7 +5247,7 @@
           <p:cNvPr id="6" name="Kuva 5">
             <a:extLst>
               <a:ext uri="{FF2B5EF4-FFF2-40B4-BE49-F238E27FC236}">
-                <a16:creationId xmlns:a16="http://schemas.microsoft.com/office/drawing/2014/main" id="{8171435C-4749-02EA-0B60-691E9ACB71E7}"/>
+                <a16:creationId xmlns:a16="http://schemas.microsoft.com/office/drawing/2014/main" id="{DC0346E8-BDCB-657D-011B-0B5254D88A2A}"/>
               </a:ext>
             </a:extLst>
           </p:cNvPr>
@@ -4809,8 +5264,8 @@
         </p:blipFill>
         <p:spPr>
           <a:xfrm>
-            <a:off x="6844296" y="211699"/>
-            <a:ext cx="4287632" cy="3035065"/>
+            <a:off x="1248008" y="1500661"/>
+            <a:ext cx="4572638" cy="1457528"/>
           </a:xfrm>
           <a:prstGeom prst="rect">
             <a:avLst/>
@@ -4822,7 +5277,7 @@
           <p:cNvPr id="8" name="Kuva 7">
             <a:extLst>
               <a:ext uri="{FF2B5EF4-FFF2-40B4-BE49-F238E27FC236}">
-                <a16:creationId xmlns:a16="http://schemas.microsoft.com/office/drawing/2014/main" id="{EF21A98F-511C-9285-01FC-844B7BA70338}"/>
+                <a16:creationId xmlns:a16="http://schemas.microsoft.com/office/drawing/2014/main" id="{B3883508-2A70-2DD6-E781-8EB036E9DA42}"/>
               </a:ext>
             </a:extLst>
           </p:cNvPr>
@@ -4839,6 +5294,631 @@
         </p:blipFill>
         <p:spPr>
           <a:xfrm>
+            <a:off x="1248008" y="3035617"/>
+            <a:ext cx="4572638" cy="3753374"/>
+          </a:xfrm>
+          <a:prstGeom prst="rect">
+            <a:avLst/>
+          </a:prstGeom>
+        </p:spPr>
+      </p:pic>
+      <p:sp>
+        <p:nvSpPr>
+          <p:cNvPr id="11" name="Nuoli: Vasen 10">
+            <a:extLst>
+              <a:ext uri="{FF2B5EF4-FFF2-40B4-BE49-F238E27FC236}">
+                <a16:creationId xmlns:a16="http://schemas.microsoft.com/office/drawing/2014/main" id="{57A93ECF-7CEC-FF6E-9FBC-A30D288BE5D4}"/>
+              </a:ext>
+            </a:extLst>
+          </p:cNvPr>
+          <p:cNvSpPr/>
+          <p:nvPr/>
+        </p:nvSpPr>
+        <p:spPr>
+          <a:xfrm>
+            <a:off x="3676650" y="3763154"/>
+            <a:ext cx="978408" cy="484632"/>
+          </a:xfrm>
+          <a:prstGeom prst="leftArrow">
+            <a:avLst/>
+          </a:prstGeom>
+        </p:spPr>
+        <p:style>
+          <a:lnRef idx="2">
+            <a:schemeClr val="accent1">
+              <a:shade val="15000"/>
+            </a:schemeClr>
+          </a:lnRef>
+          <a:fillRef idx="1">
+            <a:schemeClr val="accent1"/>
+          </a:fillRef>
+          <a:effectRef idx="0">
+            <a:schemeClr val="accent1"/>
+          </a:effectRef>
+          <a:fontRef idx="minor">
+            <a:schemeClr val="lt1"/>
+          </a:fontRef>
+        </p:style>
+        <p:txBody>
+          <a:bodyPr rtlCol="0" anchor="ctr"/>
+          <a:lstStyle/>
+          <a:p>
+            <a:pPr algn="ctr"/>
+            <a:endParaRPr lang="fi-FI"/>
+          </a:p>
+        </p:txBody>
+      </p:sp>
+      <p:sp>
+        <p:nvSpPr>
+          <p:cNvPr id="12" name="Nuoli: Vasen 11">
+            <a:extLst>
+              <a:ext uri="{FF2B5EF4-FFF2-40B4-BE49-F238E27FC236}">
+                <a16:creationId xmlns:a16="http://schemas.microsoft.com/office/drawing/2014/main" id="{871549D1-CD48-EF72-F15D-C1053A0A1168}"/>
+              </a:ext>
+            </a:extLst>
+          </p:cNvPr>
+          <p:cNvSpPr/>
+          <p:nvPr/>
+        </p:nvSpPr>
+        <p:spPr>
+          <a:xfrm>
+            <a:off x="3676650" y="6093604"/>
+            <a:ext cx="978408" cy="484632"/>
+          </a:xfrm>
+          <a:prstGeom prst="leftArrow">
+            <a:avLst/>
+          </a:prstGeom>
+        </p:spPr>
+        <p:style>
+          <a:lnRef idx="2">
+            <a:schemeClr val="accent1">
+              <a:shade val="15000"/>
+            </a:schemeClr>
+          </a:lnRef>
+          <a:fillRef idx="1">
+            <a:schemeClr val="accent1"/>
+          </a:fillRef>
+          <a:effectRef idx="0">
+            <a:schemeClr val="accent1"/>
+          </a:effectRef>
+          <a:fontRef idx="minor">
+            <a:schemeClr val="lt1"/>
+          </a:fontRef>
+        </p:style>
+        <p:txBody>
+          <a:bodyPr rtlCol="0" anchor="ctr"/>
+          <a:lstStyle/>
+          <a:p>
+            <a:pPr algn="ctr"/>
+            <a:endParaRPr lang="fi-FI"/>
+          </a:p>
+        </p:txBody>
+      </p:sp>
+    </p:spTree>
+    <p:extLst>
+      <p:ext uri="{BB962C8B-B14F-4D97-AF65-F5344CB8AC3E}">
+        <p14:creationId xmlns:p14="http://schemas.microsoft.com/office/powerpoint/2010/main" val="971938212"/>
+      </p:ext>
+    </p:extLst>
+  </p:cSld>
+  <p:clrMapOvr>
+    <a:masterClrMapping/>
+  </p:clrMapOvr>
+</p:sld>
+</file>
+
+<file path=ppt/slides/slide6.xml><?xml version="1.0" encoding="utf-8"?>
+<p:sld xmlns:a="http://schemas.openxmlformats.org/drawingml/2006/main" xmlns:r="http://schemas.openxmlformats.org/officeDocument/2006/relationships" xmlns:p="http://schemas.openxmlformats.org/presentationml/2006/main">
+  <p:cSld>
+    <p:spTree>
+      <p:nvGrpSpPr>
+        <p:cNvPr id="1" name=""/>
+        <p:cNvGrpSpPr/>
+        <p:nvPr/>
+      </p:nvGrpSpPr>
+      <p:grpSpPr>
+        <a:xfrm>
+          <a:off x="0" y="0"/>
+          <a:ext cx="0" cy="0"/>
+          <a:chOff x="0" y="0"/>
+          <a:chExt cx="0" cy="0"/>
+        </a:xfrm>
+      </p:grpSpPr>
+      <p:sp>
+        <p:nvSpPr>
+          <p:cNvPr id="2" name="Otsikko 1">
+            <a:extLst>
+              <a:ext uri="{FF2B5EF4-FFF2-40B4-BE49-F238E27FC236}">
+                <a16:creationId xmlns:a16="http://schemas.microsoft.com/office/drawing/2014/main" id="{44BA99E2-4EE6-8945-79D8-47515D94E5C6}"/>
+              </a:ext>
+            </a:extLst>
+          </p:cNvPr>
+          <p:cNvSpPr>
+            <a:spLocks noGrp="1"/>
+          </p:cNvSpPr>
+          <p:nvPr>
+            <p:ph type="title"/>
+          </p:nvPr>
+        </p:nvSpPr>
+        <p:spPr>
+          <a:xfrm>
+            <a:off x="1513637" y="557718"/>
+            <a:ext cx="9164725" cy="1033670"/>
+          </a:xfrm>
+        </p:spPr>
+        <p:txBody>
+          <a:bodyPr/>
+          <a:lstStyle/>
+          <a:p>
+            <a:r>
+              <a:rPr lang="fi-FI" dirty="0"/>
+              <a:t>Graafinen näkymä</a:t>
+            </a:r>
+          </a:p>
+        </p:txBody>
+      </p:sp>
+      <p:sp>
+        <p:nvSpPr>
+          <p:cNvPr id="4" name="Sisällön paikkamerkki 3">
+            <a:extLst>
+              <a:ext uri="{FF2B5EF4-FFF2-40B4-BE49-F238E27FC236}">
+                <a16:creationId xmlns:a16="http://schemas.microsoft.com/office/drawing/2014/main" id="{7FBF8FAE-6436-8B67-9D44-BDF78581D416}"/>
+              </a:ext>
+            </a:extLst>
+          </p:cNvPr>
+          <p:cNvSpPr>
+            <a:spLocks noGrp="1"/>
+          </p:cNvSpPr>
+          <p:nvPr>
+            <p:ph sz="half" idx="2"/>
+          </p:nvPr>
+        </p:nvSpPr>
+        <p:spPr>
+          <a:xfrm>
+            <a:off x="7035421" y="1961124"/>
+            <a:ext cx="3524569" cy="3624668"/>
+          </a:xfrm>
+        </p:spPr>
+        <p:txBody>
+          <a:bodyPr/>
+          <a:lstStyle/>
+          <a:p>
+            <a:r>
+              <a:rPr lang="fi-FI" dirty="0"/>
+              <a:t>Asennuksen mukana tulee esimerkkitesti</a:t>
+            </a:r>
+          </a:p>
+          <a:p>
+            <a:pPr lvl="1"/>
+            <a:r>
+              <a:rPr lang="fi-FI" dirty="0"/>
+              <a:t>Menee ohjelman kotisivulle, ja tarkistaa onko sillä otsikko ja </a:t>
+            </a:r>
+            <a:r>
+              <a:rPr lang="fi-FI" dirty="0" err="1"/>
+              <a:t>get</a:t>
+            </a:r>
+            <a:r>
+              <a:rPr lang="fi-FI" dirty="0"/>
+              <a:t> </a:t>
+            </a:r>
+            <a:r>
+              <a:rPr lang="fi-FI" dirty="0" err="1"/>
+              <a:t>started</a:t>
+            </a:r>
+            <a:r>
+              <a:rPr lang="fi-FI" dirty="0"/>
+              <a:t> –linkki</a:t>
+            </a:r>
+          </a:p>
+          <a:p>
+            <a:r>
+              <a:rPr lang="fi-FI" dirty="0"/>
+              <a:t>Vieressä testien aikajana ja </a:t>
+            </a:r>
+            <a:r>
+              <a:rPr lang="fi-FI" dirty="0" err="1"/>
+              <a:t>Playwright</a:t>
+            </a:r>
+            <a:r>
+              <a:rPr lang="fi-FI" dirty="0"/>
+              <a:t> </a:t>
+            </a:r>
+            <a:r>
+              <a:rPr lang="fi-FI" dirty="0" err="1"/>
+              <a:t>Test</a:t>
+            </a:r>
+            <a:r>
+              <a:rPr lang="fi-FI" dirty="0"/>
+              <a:t> -näkymä</a:t>
+            </a:r>
+          </a:p>
+        </p:txBody>
+      </p:sp>
+      <p:pic>
+        <p:nvPicPr>
+          <p:cNvPr id="6" name="Kuva 5">
+            <a:extLst>
+              <a:ext uri="{FF2B5EF4-FFF2-40B4-BE49-F238E27FC236}">
+                <a16:creationId xmlns:a16="http://schemas.microsoft.com/office/drawing/2014/main" id="{CCF724ED-B9F1-9C98-4566-71CA7CBB3D67}"/>
+              </a:ext>
+            </a:extLst>
+          </p:cNvPr>
+          <p:cNvPicPr>
+            <a:picLocks noChangeAspect="1"/>
+          </p:cNvPicPr>
+          <p:nvPr/>
+        </p:nvPicPr>
+        <p:blipFill>
+          <a:blip r:embed="rId2"/>
+          <a:stretch>
+            <a:fillRect/>
+          </a:stretch>
+        </p:blipFill>
+        <p:spPr>
+          <a:xfrm>
+            <a:off x="1038400" y="1961124"/>
+            <a:ext cx="5714075" cy="3624668"/>
+          </a:xfrm>
+          <a:prstGeom prst="rect">
+            <a:avLst/>
+          </a:prstGeom>
+        </p:spPr>
+      </p:pic>
+    </p:spTree>
+    <p:extLst>
+      <p:ext uri="{BB962C8B-B14F-4D97-AF65-F5344CB8AC3E}">
+        <p14:creationId xmlns:p14="http://schemas.microsoft.com/office/powerpoint/2010/main" val="1414040055"/>
+      </p:ext>
+    </p:extLst>
+  </p:cSld>
+  <p:clrMapOvr>
+    <a:masterClrMapping/>
+  </p:clrMapOvr>
+</p:sld>
+</file>
+
+<file path=ppt/slides/slide7.xml><?xml version="1.0" encoding="utf-8"?>
+<p:sld xmlns:a="http://schemas.openxmlformats.org/drawingml/2006/main" xmlns:r="http://schemas.openxmlformats.org/officeDocument/2006/relationships" xmlns:p="http://schemas.openxmlformats.org/presentationml/2006/main">
+  <p:cSld>
+    <p:spTree>
+      <p:nvGrpSpPr>
+        <p:cNvPr id="1" name=""/>
+        <p:cNvGrpSpPr/>
+        <p:nvPr/>
+      </p:nvGrpSpPr>
+      <p:grpSpPr>
+        <a:xfrm>
+          <a:off x="0" y="0"/>
+          <a:ext cx="0" cy="0"/>
+          <a:chOff x="0" y="0"/>
+          <a:chExt cx="0" cy="0"/>
+        </a:xfrm>
+      </p:grpSpPr>
+      <p:sp>
+        <p:nvSpPr>
+          <p:cNvPr id="2" name="Otsikko 1">
+            <a:extLst>
+              <a:ext uri="{FF2B5EF4-FFF2-40B4-BE49-F238E27FC236}">
+                <a16:creationId xmlns:a16="http://schemas.microsoft.com/office/drawing/2014/main" id="{13D4C42F-0AFB-6C78-21E3-D51C3DAB3660}"/>
+              </a:ext>
+            </a:extLst>
+          </p:cNvPr>
+          <p:cNvSpPr>
+            <a:spLocks noGrp="1"/>
+          </p:cNvSpPr>
+          <p:nvPr>
+            <p:ph type="title"/>
+          </p:nvPr>
+        </p:nvSpPr>
+        <p:spPr>
+          <a:xfrm>
+            <a:off x="1380120" y="1391478"/>
+            <a:ext cx="3322510" cy="1027872"/>
+          </a:xfrm>
+        </p:spPr>
+        <p:txBody>
+          <a:bodyPr/>
+          <a:lstStyle/>
+          <a:p>
+            <a:r>
+              <a:rPr lang="fi-FI" dirty="0"/>
+              <a:t>Testattava sovellus</a:t>
+            </a:r>
+          </a:p>
+        </p:txBody>
+      </p:sp>
+      <p:sp>
+        <p:nvSpPr>
+          <p:cNvPr id="4" name="Tekstin paikkamerkki 3">
+            <a:extLst>
+              <a:ext uri="{FF2B5EF4-FFF2-40B4-BE49-F238E27FC236}">
+                <a16:creationId xmlns:a16="http://schemas.microsoft.com/office/drawing/2014/main" id="{0ED59268-1B6B-53D9-090F-C9CC317CE6EF}"/>
+              </a:ext>
+            </a:extLst>
+          </p:cNvPr>
+          <p:cNvSpPr>
+            <a:spLocks noGrp="1"/>
+          </p:cNvSpPr>
+          <p:nvPr>
+            <p:ph type="body" sz="half" idx="2"/>
+          </p:nvPr>
+        </p:nvSpPr>
+        <p:spPr>
+          <a:xfrm>
+            <a:off x="1380120" y="2419350"/>
+            <a:ext cx="3322510" cy="2913703"/>
+          </a:xfrm>
+        </p:spPr>
+        <p:txBody>
+          <a:bodyPr/>
+          <a:lstStyle/>
+          <a:p>
+            <a:pPr marL="285750" indent="-285750">
+              <a:buFontTx/>
+              <a:buChar char="-"/>
+            </a:pPr>
+            <a:r>
+              <a:rPr lang="fi-FI" dirty="0"/>
+              <a:t>Tein itse yksinkertaisen laskurin</a:t>
+            </a:r>
+          </a:p>
+          <a:p>
+            <a:pPr marL="285750" indent="-285750">
+              <a:buFontTx/>
+              <a:buChar char="-"/>
+            </a:pPr>
+            <a:r>
+              <a:rPr lang="fi-FI" dirty="0"/>
+              <a:t>HTML, JavaScript &amp; CSS</a:t>
+            </a:r>
+          </a:p>
+          <a:p>
+            <a:pPr marL="285750" indent="-285750">
+              <a:buFontTx/>
+              <a:buChar char="-"/>
+            </a:pPr>
+            <a:r>
+              <a:rPr lang="fi-FI" dirty="0"/>
+              <a:t>Käyttäjä antaa syötteet ja valitsee haluamansa laskutoimituksen</a:t>
+            </a:r>
+          </a:p>
+        </p:txBody>
+      </p:sp>
+      <p:pic>
+        <p:nvPicPr>
+          <p:cNvPr id="6" name="Kuva 5">
+            <a:extLst>
+              <a:ext uri="{FF2B5EF4-FFF2-40B4-BE49-F238E27FC236}">
+                <a16:creationId xmlns:a16="http://schemas.microsoft.com/office/drawing/2014/main" id="{D01AFC6C-D676-4261-62A9-1525C077F814}"/>
+              </a:ext>
+            </a:extLst>
+          </p:cNvPr>
+          <p:cNvPicPr>
+            <a:picLocks noChangeAspect="1"/>
+          </p:cNvPicPr>
+          <p:nvPr/>
+        </p:nvPicPr>
+        <p:blipFill>
+          <a:blip r:embed="rId2"/>
+          <a:stretch>
+            <a:fillRect/>
+          </a:stretch>
+        </p:blipFill>
+        <p:spPr>
+          <a:xfrm>
+            <a:off x="5916662" y="1409131"/>
+            <a:ext cx="5988667" cy="4039737"/>
+          </a:xfrm>
+          <a:prstGeom prst="rect">
+            <a:avLst/>
+          </a:prstGeom>
+        </p:spPr>
+      </p:pic>
+      <p:sp>
+        <p:nvSpPr>
+          <p:cNvPr id="7" name="Tekstiruutu 6">
+            <a:extLst>
+              <a:ext uri="{FF2B5EF4-FFF2-40B4-BE49-F238E27FC236}">
+                <a16:creationId xmlns:a16="http://schemas.microsoft.com/office/drawing/2014/main" id="{0D453F8A-F05C-5AF3-6CAF-FE2E3B050B12}"/>
+              </a:ext>
+            </a:extLst>
+          </p:cNvPr>
+          <p:cNvSpPr txBox="1"/>
+          <p:nvPr/>
+        </p:nvSpPr>
+        <p:spPr>
+          <a:xfrm>
+            <a:off x="6096000" y="5677469"/>
+            <a:ext cx="4112525" cy="369332"/>
+          </a:xfrm>
+          <a:prstGeom prst="rect">
+            <a:avLst/>
+          </a:prstGeom>
+          <a:noFill/>
+        </p:spPr>
+        <p:txBody>
+          <a:bodyPr wrap="square" rtlCol="0">
+            <a:spAutoFit/>
+          </a:bodyPr>
+          <a:lstStyle/>
+          <a:p>
+            <a:r>
+              <a:rPr lang="fi-FI" dirty="0"/>
+              <a:t>Kuva sovelluksesta; 1 + 1 = 2</a:t>
+            </a:r>
+          </a:p>
+        </p:txBody>
+      </p:sp>
+    </p:spTree>
+    <p:extLst>
+      <p:ext uri="{BB962C8B-B14F-4D97-AF65-F5344CB8AC3E}">
+        <p14:creationId xmlns:p14="http://schemas.microsoft.com/office/powerpoint/2010/main" val="2811930216"/>
+      </p:ext>
+    </p:extLst>
+  </p:cSld>
+  <p:clrMapOvr>
+    <a:masterClrMapping/>
+  </p:clrMapOvr>
+</p:sld>
+</file>
+
+<file path=ppt/slides/slide8.xml><?xml version="1.0" encoding="utf-8"?>
+<p:sld xmlns:a="http://schemas.openxmlformats.org/drawingml/2006/main" xmlns:r="http://schemas.openxmlformats.org/officeDocument/2006/relationships" xmlns:p="http://schemas.openxmlformats.org/presentationml/2006/main">
+  <p:cSld>
+    <p:spTree>
+      <p:nvGrpSpPr>
+        <p:cNvPr id="1" name=""/>
+        <p:cNvGrpSpPr/>
+        <p:nvPr/>
+      </p:nvGrpSpPr>
+      <p:grpSpPr>
+        <a:xfrm>
+          <a:off x="0" y="0"/>
+          <a:ext cx="0" cy="0"/>
+          <a:chOff x="0" y="0"/>
+          <a:chExt cx="0" cy="0"/>
+        </a:xfrm>
+      </p:grpSpPr>
+      <p:sp>
+        <p:nvSpPr>
+          <p:cNvPr id="4" name="Tekstin paikkamerkki 3">
+            <a:extLst>
+              <a:ext uri="{FF2B5EF4-FFF2-40B4-BE49-F238E27FC236}">
+                <a16:creationId xmlns:a16="http://schemas.microsoft.com/office/drawing/2014/main" id="{30584BB0-C37C-B7C2-F30E-200A195AF32C}"/>
+              </a:ext>
+            </a:extLst>
+          </p:cNvPr>
+          <p:cNvSpPr>
+            <a:spLocks noGrp="1"/>
+          </p:cNvSpPr>
+          <p:nvPr>
+            <p:ph type="body" sz="half" idx="2"/>
+          </p:nvPr>
+        </p:nvSpPr>
+        <p:spPr>
+          <a:xfrm>
+            <a:off x="1346000" y="1279371"/>
+            <a:ext cx="3322510" cy="4247972"/>
+          </a:xfrm>
+        </p:spPr>
+        <p:txBody>
+          <a:bodyPr>
+            <a:normAutofit/>
+          </a:bodyPr>
+          <a:lstStyle/>
+          <a:p>
+            <a:pPr marL="285750" indent="-285750">
+              <a:buFont typeface="Arial" panose="020B0604020202020204" pitchFamily="34" charset="0"/>
+              <a:buChar char="•"/>
+            </a:pPr>
+            <a:r>
+              <a:rPr lang="fi-FI" dirty="0"/>
+              <a:t>Koodissa on huomioitu virheelliset syötteet, kuten kirjaimet tai erikoismerkit</a:t>
+            </a:r>
+          </a:p>
+          <a:p>
+            <a:pPr marL="285750" indent="-285750">
+              <a:buFont typeface="Arial" panose="020B0604020202020204" pitchFamily="34" charset="0"/>
+              <a:buChar char="•"/>
+            </a:pPr>
+            <a:r>
+              <a:rPr lang="fi-FI" dirty="0"/>
+              <a:t>Tällöin tulos on ”Virhe!”</a:t>
+            </a:r>
+          </a:p>
+          <a:p>
+            <a:pPr marL="285750" indent="-285750">
+              <a:buFont typeface="Arial" panose="020B0604020202020204" pitchFamily="34" charset="0"/>
+              <a:buChar char="•"/>
+            </a:pPr>
+            <a:r>
+              <a:rPr lang="fi-FI" dirty="0"/>
+              <a:t>Nollalla jakamista ei kuitenkaan ole huomioitu:</a:t>
+            </a:r>
+          </a:p>
+          <a:p>
+            <a:pPr marL="742950" lvl="1" indent="-285750">
+              <a:buFont typeface="Arial" panose="020B0604020202020204" pitchFamily="34" charset="0"/>
+              <a:buChar char="•"/>
+            </a:pPr>
+            <a:r>
+              <a:rPr lang="fi-FI" dirty="0"/>
+              <a:t>JavaScript jostain syystä antaa tällöin automaattisesti tulokseksi ”(±) </a:t>
+            </a:r>
+            <a:r>
+              <a:rPr lang="fi-FI" dirty="0" err="1"/>
+              <a:t>Infinity</a:t>
+            </a:r>
+            <a:r>
+              <a:rPr lang="fi-FI" dirty="0"/>
+              <a:t>”, joka näin matemaatikkona vaivaa kyllä…</a:t>
+            </a:r>
+          </a:p>
+          <a:p>
+            <a:pPr marL="742950" lvl="1" indent="-285750">
+              <a:buFont typeface="Arial" panose="020B0604020202020204" pitchFamily="34" charset="0"/>
+              <a:buChar char="•"/>
+            </a:pPr>
+            <a:r>
+              <a:rPr lang="fi-FI" dirty="0"/>
+              <a:t>Testin odottama tulos: ”Virhe!”</a:t>
+            </a:r>
+          </a:p>
+        </p:txBody>
+      </p:sp>
+      <p:pic>
+        <p:nvPicPr>
+          <p:cNvPr id="6" name="Kuva 5">
+            <a:extLst>
+              <a:ext uri="{FF2B5EF4-FFF2-40B4-BE49-F238E27FC236}">
+                <a16:creationId xmlns:a16="http://schemas.microsoft.com/office/drawing/2014/main" id="{8171435C-4749-02EA-0B60-691E9ACB71E7}"/>
+              </a:ext>
+            </a:extLst>
+          </p:cNvPr>
+          <p:cNvPicPr>
+            <a:picLocks noChangeAspect="1"/>
+          </p:cNvPicPr>
+          <p:nvPr/>
+        </p:nvPicPr>
+        <p:blipFill>
+          <a:blip r:embed="rId2"/>
+          <a:stretch>
+            <a:fillRect/>
+          </a:stretch>
+        </p:blipFill>
+        <p:spPr>
+          <a:xfrm>
+            <a:off x="6844296" y="211699"/>
+            <a:ext cx="4287632" cy="3035065"/>
+          </a:xfrm>
+          <a:prstGeom prst="rect">
+            <a:avLst/>
+          </a:prstGeom>
+        </p:spPr>
+      </p:pic>
+      <p:pic>
+        <p:nvPicPr>
+          <p:cNvPr id="8" name="Kuva 7">
+            <a:extLst>
+              <a:ext uri="{FF2B5EF4-FFF2-40B4-BE49-F238E27FC236}">
+                <a16:creationId xmlns:a16="http://schemas.microsoft.com/office/drawing/2014/main" id="{EF21A98F-511C-9285-01FC-844B7BA70338}"/>
+              </a:ext>
+            </a:extLst>
+          </p:cNvPr>
+          <p:cNvPicPr>
+            <a:picLocks noChangeAspect="1"/>
+          </p:cNvPicPr>
+          <p:nvPr/>
+        </p:nvPicPr>
+        <p:blipFill>
+          <a:blip r:embed="rId3"/>
+          <a:stretch>
+            <a:fillRect/>
+          </a:stretch>
+        </p:blipFill>
+        <p:spPr>
+          <a:xfrm>
             <a:off x="6844296" y="3522525"/>
             <a:ext cx="4287632" cy="3069325"/>
           </a:xfrm>
@@ -4851,6 +5931,137 @@
     <p:extLst>
       <p:ext uri="{BB962C8B-B14F-4D97-AF65-F5344CB8AC3E}">
         <p14:creationId xmlns:p14="http://schemas.microsoft.com/office/powerpoint/2010/main" val="1528339688"/>
+      </p:ext>
+    </p:extLst>
+  </p:cSld>
+  <p:clrMapOvr>
+    <a:masterClrMapping/>
+  </p:clrMapOvr>
+</p:sld>
+</file>
+
+<file path=ppt/slides/slide9.xml><?xml version="1.0" encoding="utf-8"?>
+<p:sld xmlns:a="http://schemas.openxmlformats.org/drawingml/2006/main" xmlns:r="http://schemas.openxmlformats.org/officeDocument/2006/relationships" xmlns:p="http://schemas.openxmlformats.org/presentationml/2006/main">
+  <p:cSld>
+    <p:spTree>
+      <p:nvGrpSpPr>
+        <p:cNvPr id="1" name=""/>
+        <p:cNvGrpSpPr/>
+        <p:nvPr/>
+      </p:nvGrpSpPr>
+      <p:grpSpPr>
+        <a:xfrm>
+          <a:off x="0" y="0"/>
+          <a:ext cx="0" cy="0"/>
+          <a:chOff x="0" y="0"/>
+          <a:chExt cx="0" cy="0"/>
+        </a:xfrm>
+      </p:grpSpPr>
+      <p:sp>
+        <p:nvSpPr>
+          <p:cNvPr id="2" name="Otsikko 1">
+            <a:extLst>
+              <a:ext uri="{FF2B5EF4-FFF2-40B4-BE49-F238E27FC236}">
+                <a16:creationId xmlns:a16="http://schemas.microsoft.com/office/drawing/2014/main" id="{45E6818E-4CDE-7783-950C-702402FC3C34}"/>
+              </a:ext>
+            </a:extLst>
+          </p:cNvPr>
+          <p:cNvSpPr>
+            <a:spLocks noGrp="1"/>
+          </p:cNvSpPr>
+          <p:nvPr>
+            <p:ph type="title"/>
+          </p:nvPr>
+        </p:nvSpPr>
+        <p:spPr>
+          <a:xfrm>
+            <a:off x="1584067" y="459223"/>
+            <a:ext cx="9164725" cy="1033670"/>
+          </a:xfrm>
+        </p:spPr>
+        <p:txBody>
+          <a:bodyPr/>
+          <a:lstStyle/>
+          <a:p>
+            <a:r>
+              <a:rPr lang="fi-FI" dirty="0"/>
+              <a:t>Testien kirjoittaminen</a:t>
+            </a:r>
+          </a:p>
+        </p:txBody>
+      </p:sp>
+      <p:sp>
+        <p:nvSpPr>
+          <p:cNvPr id="4" name="Sisällön paikkamerkki 3">
+            <a:extLst>
+              <a:ext uri="{FF2B5EF4-FFF2-40B4-BE49-F238E27FC236}">
+                <a16:creationId xmlns:a16="http://schemas.microsoft.com/office/drawing/2014/main" id="{5B124DB9-FDC9-2AE9-2D01-D1C011465BD2}"/>
+              </a:ext>
+            </a:extLst>
+          </p:cNvPr>
+          <p:cNvSpPr>
+            <a:spLocks noGrp="1"/>
+          </p:cNvSpPr>
+          <p:nvPr>
+            <p:ph sz="half" idx="2"/>
+          </p:nvPr>
+        </p:nvSpPr>
+        <p:spPr/>
+        <p:txBody>
+          <a:bodyPr/>
+          <a:lstStyle/>
+          <a:p>
+            <a:r>
+              <a:rPr lang="fi-FI" dirty="0"/>
+              <a:t>Oheisessa testissä testataan 1 + 1 = 2</a:t>
+            </a:r>
+          </a:p>
+          <a:p>
+            <a:r>
+              <a:rPr lang="fi-FI" dirty="0" err="1"/>
+              <a:t>Locatorien</a:t>
+            </a:r>
+            <a:r>
+              <a:rPr lang="fi-FI" dirty="0"/>
+              <a:t> kirjoittaminen itse voi olla vaikeaa, ja tätäkin varten minun täytyi muokata html-koodia löytääkseni Tulos-kenttä</a:t>
+            </a:r>
+          </a:p>
+        </p:txBody>
+      </p:sp>
+      <p:pic>
+        <p:nvPicPr>
+          <p:cNvPr id="6" name="Kuva 5">
+            <a:extLst>
+              <a:ext uri="{FF2B5EF4-FFF2-40B4-BE49-F238E27FC236}">
+                <a16:creationId xmlns:a16="http://schemas.microsoft.com/office/drawing/2014/main" id="{03B29717-6227-7747-6E08-2F7E10BCDF69}"/>
+              </a:ext>
+            </a:extLst>
+          </p:cNvPr>
+          <p:cNvPicPr>
+            <a:picLocks noChangeAspect="1"/>
+          </p:cNvPicPr>
+          <p:nvPr/>
+        </p:nvPicPr>
+        <p:blipFill>
+          <a:blip r:embed="rId2"/>
+          <a:stretch>
+            <a:fillRect/>
+          </a:stretch>
+        </p:blipFill>
+        <p:spPr>
+          <a:xfrm>
+            <a:off x="1050615" y="1937208"/>
+            <a:ext cx="4439270" cy="3648584"/>
+          </a:xfrm>
+          <a:prstGeom prst="rect">
+            <a:avLst/>
+          </a:prstGeom>
+        </p:spPr>
+      </p:pic>
+    </p:spTree>
+    <p:extLst>
+      <p:ext uri="{BB962C8B-B14F-4D97-AF65-F5344CB8AC3E}">
+        <p14:creationId xmlns:p14="http://schemas.microsoft.com/office/powerpoint/2010/main" val="1296067889"/>
       </p:ext>
     </p:extLst>
   </p:cSld>

--- a/Playwright.pptx
+++ b/Playwright.pptx
@@ -17,6 +17,9 @@
     <p:sldId id="265" r:id="rId11"/>
     <p:sldId id="266" r:id="rId12"/>
     <p:sldId id="267" r:id="rId13"/>
+    <p:sldId id="268" r:id="rId14"/>
+    <p:sldId id="269" r:id="rId15"/>
+    <p:sldId id="270" r:id="rId16"/>
   </p:sldIdLst>
   <p:sldSz cx="12192000" cy="6858000"/>
   <p:notesSz cx="6858000" cy="9144000"/>
@@ -4659,6 +4662,438 @@
 </p:sld>
 </file>
 
+<file path=ppt/slides/slide13.xml><?xml version="1.0" encoding="utf-8"?>
+<p:sld xmlns:a="http://schemas.openxmlformats.org/drawingml/2006/main" xmlns:r="http://schemas.openxmlformats.org/officeDocument/2006/relationships" xmlns:p="http://schemas.openxmlformats.org/presentationml/2006/main">
+  <p:cSld>
+    <p:spTree>
+      <p:nvGrpSpPr>
+        <p:cNvPr id="1" name=""/>
+        <p:cNvGrpSpPr/>
+        <p:nvPr/>
+      </p:nvGrpSpPr>
+      <p:grpSpPr>
+        <a:xfrm>
+          <a:off x="0" y="0"/>
+          <a:ext cx="0" cy="0"/>
+          <a:chOff x="0" y="0"/>
+          <a:chExt cx="0" cy="0"/>
+        </a:xfrm>
+      </p:grpSpPr>
+      <p:sp>
+        <p:nvSpPr>
+          <p:cNvPr id="2" name="Otsikko 1">
+            <a:extLst>
+              <a:ext uri="{FF2B5EF4-FFF2-40B4-BE49-F238E27FC236}">
+                <a16:creationId xmlns:a16="http://schemas.microsoft.com/office/drawing/2014/main" id="{336D6C0B-95F2-7A0A-B4CC-B09D2671F335}"/>
+              </a:ext>
+            </a:extLst>
+          </p:cNvPr>
+          <p:cNvSpPr>
+            <a:spLocks noGrp="1"/>
+          </p:cNvSpPr>
+          <p:nvPr>
+            <p:ph type="title"/>
+          </p:nvPr>
+        </p:nvSpPr>
+        <p:spPr>
+          <a:xfrm>
+            <a:off x="1571367" y="624509"/>
+            <a:ext cx="9164725" cy="1033670"/>
+          </a:xfrm>
+        </p:spPr>
+        <p:txBody>
+          <a:bodyPr/>
+          <a:lstStyle/>
+          <a:p>
+            <a:r>
+              <a:rPr lang="fi-FI" dirty="0"/>
+              <a:t>Testiraportti</a:t>
+            </a:r>
+          </a:p>
+        </p:txBody>
+      </p:sp>
+      <p:sp>
+        <p:nvSpPr>
+          <p:cNvPr id="4" name="Sisällön paikkamerkki 3">
+            <a:extLst>
+              <a:ext uri="{FF2B5EF4-FFF2-40B4-BE49-F238E27FC236}">
+                <a16:creationId xmlns:a16="http://schemas.microsoft.com/office/drawing/2014/main" id="{70C317A5-FB66-EFFF-B0DF-FFAEC957508E}"/>
+              </a:ext>
+            </a:extLst>
+          </p:cNvPr>
+          <p:cNvSpPr>
+            <a:spLocks noGrp="1"/>
+          </p:cNvSpPr>
+          <p:nvPr>
+            <p:ph sz="half" idx="2"/>
+          </p:nvPr>
+        </p:nvSpPr>
+        <p:spPr>
+          <a:xfrm>
+            <a:off x="1571367" y="1913357"/>
+            <a:ext cx="4188635" cy="3160644"/>
+          </a:xfrm>
+        </p:spPr>
+        <p:txBody>
+          <a:bodyPr/>
+          <a:lstStyle/>
+          <a:p>
+            <a:r>
+              <a:rPr lang="fi-FI" dirty="0" err="1"/>
+              <a:t>Playwright</a:t>
+            </a:r>
+            <a:r>
+              <a:rPr lang="fi-FI" dirty="0"/>
+              <a:t> luo html-muotoisen testiraportin, josta nähdään läpi menneet ja epäonnistuneet testit, ja niihin kulunut aika</a:t>
+            </a:r>
+          </a:p>
+          <a:p>
+            <a:r>
+              <a:rPr lang="fi-FI" dirty="0"/>
+              <a:t>Yksittäistä testiä voidaan myös tarkastella lähemmin</a:t>
+            </a:r>
+          </a:p>
+        </p:txBody>
+      </p:sp>
+      <p:pic>
+        <p:nvPicPr>
+          <p:cNvPr id="8" name="Kuva 7">
+            <a:extLst>
+              <a:ext uri="{FF2B5EF4-FFF2-40B4-BE49-F238E27FC236}">
+                <a16:creationId xmlns:a16="http://schemas.microsoft.com/office/drawing/2014/main" id="{CAC172BB-3FEA-D2E5-E57F-21036309645D}"/>
+              </a:ext>
+            </a:extLst>
+          </p:cNvPr>
+          <p:cNvPicPr>
+            <a:picLocks noChangeAspect="1"/>
+          </p:cNvPicPr>
+          <p:nvPr/>
+        </p:nvPicPr>
+        <p:blipFill>
+          <a:blip r:embed="rId2"/>
+          <a:stretch>
+            <a:fillRect/>
+          </a:stretch>
+        </p:blipFill>
+        <p:spPr>
+          <a:xfrm>
+            <a:off x="5868461" y="3620460"/>
+            <a:ext cx="5242057" cy="3180860"/>
+          </a:xfrm>
+          <a:prstGeom prst="rect">
+            <a:avLst/>
+          </a:prstGeom>
+        </p:spPr>
+      </p:pic>
+      <p:pic>
+        <p:nvPicPr>
+          <p:cNvPr id="10" name="Kuva 9">
+            <a:extLst>
+              <a:ext uri="{FF2B5EF4-FFF2-40B4-BE49-F238E27FC236}">
+                <a16:creationId xmlns:a16="http://schemas.microsoft.com/office/drawing/2014/main" id="{817649EC-30B6-6254-F1B1-F22EA4A7C45C}"/>
+              </a:ext>
+            </a:extLst>
+          </p:cNvPr>
+          <p:cNvPicPr>
+            <a:picLocks noChangeAspect="1"/>
+          </p:cNvPicPr>
+          <p:nvPr/>
+        </p:nvPicPr>
+        <p:blipFill>
+          <a:blip r:embed="rId3"/>
+          <a:stretch>
+            <a:fillRect/>
+          </a:stretch>
+        </p:blipFill>
+        <p:spPr>
+          <a:xfrm>
+            <a:off x="6096000" y="56680"/>
+            <a:ext cx="4786980" cy="3372320"/>
+          </a:xfrm>
+          <a:prstGeom prst="rect">
+            <a:avLst/>
+          </a:prstGeom>
+        </p:spPr>
+      </p:pic>
+    </p:spTree>
+    <p:extLst>
+      <p:ext uri="{BB962C8B-B14F-4D97-AF65-F5344CB8AC3E}">
+        <p14:creationId xmlns:p14="http://schemas.microsoft.com/office/powerpoint/2010/main" val="999882067"/>
+      </p:ext>
+    </p:extLst>
+  </p:cSld>
+  <p:clrMapOvr>
+    <a:masterClrMapping/>
+  </p:clrMapOvr>
+</p:sld>
+</file>
+
+<file path=ppt/slides/slide14.xml><?xml version="1.0" encoding="utf-8"?>
+<p:sld xmlns:a="http://schemas.openxmlformats.org/drawingml/2006/main" xmlns:r="http://schemas.openxmlformats.org/officeDocument/2006/relationships" xmlns:p="http://schemas.openxmlformats.org/presentationml/2006/main">
+  <p:cSld>
+    <p:spTree>
+      <p:nvGrpSpPr>
+        <p:cNvPr id="1" name=""/>
+        <p:cNvGrpSpPr/>
+        <p:nvPr/>
+      </p:nvGrpSpPr>
+      <p:grpSpPr>
+        <a:xfrm>
+          <a:off x="0" y="0"/>
+          <a:ext cx="0" cy="0"/>
+          <a:chOff x="0" y="0"/>
+          <a:chExt cx="0" cy="0"/>
+        </a:xfrm>
+      </p:grpSpPr>
+      <p:sp>
+        <p:nvSpPr>
+          <p:cNvPr id="2" name="Otsikko 1">
+            <a:extLst>
+              <a:ext uri="{FF2B5EF4-FFF2-40B4-BE49-F238E27FC236}">
+                <a16:creationId xmlns:a16="http://schemas.microsoft.com/office/drawing/2014/main" id="{6C5DF52E-CDF2-ED72-6FA7-F3C9DF2620BE}"/>
+              </a:ext>
+            </a:extLst>
+          </p:cNvPr>
+          <p:cNvSpPr>
+            <a:spLocks noGrp="1"/>
+          </p:cNvSpPr>
+          <p:nvPr>
+            <p:ph type="title"/>
+          </p:nvPr>
+        </p:nvSpPr>
+        <p:spPr>
+          <a:xfrm>
+            <a:off x="1615817" y="480639"/>
+            <a:ext cx="9164725" cy="1033670"/>
+          </a:xfrm>
+        </p:spPr>
+        <p:txBody>
+          <a:bodyPr/>
+          <a:lstStyle/>
+          <a:p>
+            <a:r>
+              <a:rPr lang="fi-FI" dirty="0"/>
+              <a:t>Arviointi</a:t>
+            </a:r>
+          </a:p>
+        </p:txBody>
+      </p:sp>
+      <p:sp>
+        <p:nvSpPr>
+          <p:cNvPr id="3" name="Sisällön paikkamerkki 2">
+            <a:extLst>
+              <a:ext uri="{FF2B5EF4-FFF2-40B4-BE49-F238E27FC236}">
+                <a16:creationId xmlns:a16="http://schemas.microsoft.com/office/drawing/2014/main" id="{29DF01C8-8EBF-4231-A9F0-474E638F9C41}"/>
+              </a:ext>
+            </a:extLst>
+          </p:cNvPr>
+          <p:cNvSpPr>
+            <a:spLocks noGrp="1"/>
+          </p:cNvSpPr>
+          <p:nvPr>
+            <p:ph sz="half" idx="1"/>
+          </p:nvPr>
+        </p:nvSpPr>
+        <p:spPr/>
+        <p:txBody>
+          <a:bodyPr/>
+          <a:lstStyle/>
+          <a:p>
+            <a:r>
+              <a:rPr lang="fi-FI" dirty="0"/>
+              <a:t>Alkukankeuksien jälkeen työkalun käyttö oli varsin sujuvaa</a:t>
+            </a:r>
+          </a:p>
+          <a:p>
+            <a:r>
+              <a:rPr lang="fi-FI" dirty="0"/>
+              <a:t>Etenkin nauhoitus ja valitsimen valintatyökalu nopeuttivat käyttöä huomattavasti</a:t>
+            </a:r>
+          </a:p>
+        </p:txBody>
+      </p:sp>
+      <p:sp>
+        <p:nvSpPr>
+          <p:cNvPr id="4" name="Sisällön paikkamerkki 3">
+            <a:extLst>
+              <a:ext uri="{FF2B5EF4-FFF2-40B4-BE49-F238E27FC236}">
+                <a16:creationId xmlns:a16="http://schemas.microsoft.com/office/drawing/2014/main" id="{3A0A72AC-A23B-EA1E-B4FD-F4E1ABF3B829}"/>
+              </a:ext>
+            </a:extLst>
+          </p:cNvPr>
+          <p:cNvSpPr>
+            <a:spLocks noGrp="1"/>
+          </p:cNvSpPr>
+          <p:nvPr>
+            <p:ph sz="half" idx="2"/>
+          </p:nvPr>
+        </p:nvSpPr>
+        <p:spPr/>
+        <p:txBody>
+          <a:bodyPr/>
+          <a:lstStyle/>
+          <a:p>
+            <a:r>
+              <a:rPr lang="fi-FI" dirty="0"/>
+              <a:t>Dokumentaatio on kattava</a:t>
+            </a:r>
+          </a:p>
+          <a:p>
+            <a:pPr lvl="1"/>
+            <a:r>
+              <a:rPr lang="fi-FI" dirty="0"/>
+              <a:t>Paikallisen palvelimen käyttöönottoon ohjeet eivät olleet riittävät, piti tehdä muutakin kuin mitä ohjeissa luki</a:t>
+            </a:r>
+          </a:p>
+          <a:p>
+            <a:r>
+              <a:rPr lang="fi-FI" dirty="0"/>
+              <a:t>Yritys kirjoittaa koodia itse oli työlästä, suosittelen ehdottomasti nauhoitusta</a:t>
+            </a:r>
+          </a:p>
+        </p:txBody>
+      </p:sp>
+    </p:spTree>
+    <p:extLst>
+      <p:ext uri="{BB962C8B-B14F-4D97-AF65-F5344CB8AC3E}">
+        <p14:creationId xmlns:p14="http://schemas.microsoft.com/office/powerpoint/2010/main" val="3524504514"/>
+      </p:ext>
+    </p:extLst>
+  </p:cSld>
+  <p:clrMapOvr>
+    <a:masterClrMapping/>
+  </p:clrMapOvr>
+</p:sld>
+</file>
+
+<file path=ppt/slides/slide15.xml><?xml version="1.0" encoding="utf-8"?>
+<p:sld xmlns:a="http://schemas.openxmlformats.org/drawingml/2006/main" xmlns:r="http://schemas.openxmlformats.org/officeDocument/2006/relationships" xmlns:p="http://schemas.openxmlformats.org/presentationml/2006/main">
+  <p:cSld>
+    <p:spTree>
+      <p:nvGrpSpPr>
+        <p:cNvPr id="1" name=""/>
+        <p:cNvGrpSpPr/>
+        <p:nvPr/>
+      </p:nvGrpSpPr>
+      <p:grpSpPr>
+        <a:xfrm>
+          <a:off x="0" y="0"/>
+          <a:ext cx="0" cy="0"/>
+          <a:chOff x="0" y="0"/>
+          <a:chExt cx="0" cy="0"/>
+        </a:xfrm>
+      </p:grpSpPr>
+      <p:sp>
+        <p:nvSpPr>
+          <p:cNvPr id="2" name="Otsikko 1">
+            <a:extLst>
+              <a:ext uri="{FF2B5EF4-FFF2-40B4-BE49-F238E27FC236}">
+                <a16:creationId xmlns:a16="http://schemas.microsoft.com/office/drawing/2014/main" id="{B08E53F2-C451-B571-4A0B-A8AEC7E5AE9B}"/>
+              </a:ext>
+            </a:extLst>
+          </p:cNvPr>
+          <p:cNvSpPr>
+            <a:spLocks noGrp="1"/>
+          </p:cNvSpPr>
+          <p:nvPr>
+            <p:ph type="title"/>
+          </p:nvPr>
+        </p:nvSpPr>
+        <p:spPr/>
+        <p:txBody>
+          <a:bodyPr/>
+          <a:lstStyle/>
+          <a:p>
+            <a:r>
+              <a:rPr lang="fi-FI" dirty="0"/>
+              <a:t>Lähteitä</a:t>
+            </a:r>
+          </a:p>
+        </p:txBody>
+      </p:sp>
+      <p:sp>
+        <p:nvSpPr>
+          <p:cNvPr id="3" name="Sisällön paikkamerkki 2">
+            <a:extLst>
+              <a:ext uri="{FF2B5EF4-FFF2-40B4-BE49-F238E27FC236}">
+                <a16:creationId xmlns:a16="http://schemas.microsoft.com/office/drawing/2014/main" id="{2B01F93F-1F44-E3FD-DF59-9C3149C81DA1}"/>
+              </a:ext>
+            </a:extLst>
+          </p:cNvPr>
+          <p:cNvSpPr>
+            <a:spLocks noGrp="1"/>
+          </p:cNvSpPr>
+          <p:nvPr>
+            <p:ph sz="half" idx="1"/>
+          </p:nvPr>
+        </p:nvSpPr>
+        <p:spPr>
+          <a:xfrm>
+            <a:off x="1615817" y="2425148"/>
+            <a:ext cx="8258433" cy="3160643"/>
+          </a:xfrm>
+        </p:spPr>
+        <p:txBody>
+          <a:bodyPr/>
+          <a:lstStyle/>
+          <a:p>
+            <a:r>
+              <a:rPr lang="fi-FI" dirty="0"/>
+              <a:t>Projektin GitHub: </a:t>
+            </a:r>
+            <a:r>
+              <a:rPr lang="fi-FI" dirty="0">
+                <a:hlinkClick r:id="rId2"/>
+              </a:rPr>
+              <a:t>https://github.com/TeroAsilainen/ohjelmistotestaus-tyopaja</a:t>
+            </a:r>
+            <a:endParaRPr lang="fi-FI" dirty="0"/>
+          </a:p>
+          <a:p>
+            <a:r>
+              <a:rPr lang="fi-FI" dirty="0" err="1"/>
+              <a:t>Playwrightin</a:t>
+            </a:r>
+            <a:r>
+              <a:rPr lang="fi-FI" dirty="0"/>
+              <a:t> kotisivu: </a:t>
+            </a:r>
+            <a:r>
+              <a:rPr lang="fi-FI" dirty="0">
+                <a:hlinkClick r:id="rId3"/>
+              </a:rPr>
+              <a:t>https://playwright.dev/</a:t>
+            </a:r>
+            <a:endParaRPr lang="fi-FI" dirty="0"/>
+          </a:p>
+          <a:p>
+            <a:r>
+              <a:rPr lang="fi-FI" dirty="0"/>
+              <a:t>Dokumentaatio: </a:t>
+            </a:r>
+            <a:r>
+              <a:rPr lang="fi-FI" dirty="0">
+                <a:hlinkClick r:id="rId4"/>
+              </a:rPr>
+              <a:t>https://playwright.dev/docs/intro</a:t>
+            </a:r>
+            <a:endParaRPr lang="fi-FI" dirty="0"/>
+          </a:p>
+        </p:txBody>
+      </p:sp>
+    </p:spTree>
+    <p:extLst>
+      <p:ext uri="{BB962C8B-B14F-4D97-AF65-F5344CB8AC3E}">
+        <p14:creationId xmlns:p14="http://schemas.microsoft.com/office/powerpoint/2010/main" val="3467969628"/>
+      </p:ext>
+    </p:extLst>
+  </p:cSld>
+  <p:clrMapOvr>
+    <a:masterClrMapping/>
+  </p:clrMapOvr>
+</p:sld>
+</file>
+
 <file path=ppt/slides/slide2.xml><?xml version="1.0" encoding="utf-8"?>
 <p:sld xmlns:a="http://schemas.openxmlformats.org/drawingml/2006/main" xmlns:r="http://schemas.openxmlformats.org/officeDocument/2006/relationships" xmlns:p="http://schemas.openxmlformats.org/presentationml/2006/main">
   <p:cSld>
@@ -4832,7 +5267,10 @@
           <a:bodyPr/>
           <a:lstStyle/>
           <a:p>
-            <a:endParaRPr lang="fi-FI"/>
+            <a:r>
+              <a:rPr lang="fi-FI" dirty="0"/>
+              <a:t>Tietoja</a:t>
+            </a:r>
           </a:p>
         </p:txBody>
       </p:sp>
@@ -4905,13 +5343,8 @@
             <a:pPr lvl="1"/>
             <a:r>
               <a:rPr lang="fi-FI" dirty="0"/>
-              <a:t>Tarkoitus ratkaista näiden työkalujen rajoituksia, kuten tuki </a:t>
-            </a:r>
-            <a:r>
-              <a:rPr lang="fi-FI"/>
-              <a:t>usealle selaintyypille</a:t>
-            </a:r>
-            <a:endParaRPr lang="fi-FI" dirty="0"/>
+              <a:t>Tarkoitus ratkaista näiden työkalujen rajoituksia, kuten tuki usealle selaintyypille</a:t>
+            </a:r>
           </a:p>
           <a:p>
             <a:endParaRPr lang="fi-FI" dirty="0"/>
@@ -6018,12 +6451,16 @@
           </a:p>
           <a:p>
             <a:r>
+              <a:rPr lang="fi-FI" dirty="0"/>
+              <a:t>Valitsijoiden (</a:t>
+            </a:r>
+            <a:r>
               <a:rPr lang="fi-FI" dirty="0" err="1"/>
-              <a:t>Locatorien</a:t>
-            </a:r>
-            <a:r>
-              <a:rPr lang="fi-FI" dirty="0"/>
-              <a:t> kirjoittaminen itse voi olla vaikeaa, ja tätäkin varten minun täytyi muokata html-koodia löytääkseni Tulos-kenttä</a:t>
+              <a:t>locator</a:t>
+            </a:r>
+            <a:r>
+              <a:rPr lang="fi-FI" dirty="0"/>
+              <a:t>) kirjoittaminen itse voi olla vaikeaa, ja tätäkin varten minun täytyi muokata html-koodia löytääkseni Tulos-kenttä</a:t>
             </a:r>
           </a:p>
         </p:txBody>
